--- a/documentation/doc/Presentation1.pptx
+++ b/documentation/doc/Presentation1.pptx
@@ -7659,51 +7659,481 @@
       </p:grpSpPr>
       <p:sp>
         <p:nvSpPr>
-          <p:cNvPr id="2" name="Title 1">
-            <a:extLst>
-              <a:ext uri="{FF2B5EF4-FFF2-40B4-BE49-F238E27FC236}">
-                <a16:creationId xmlns:a16="http://schemas.microsoft.com/office/drawing/2014/main" id="{07338DA3-9E0B-4C80-8E3D-36DB6D7A752C}"/>
-              </a:ext>
-            </a:extLst>
-          </p:cNvPr>
-          <p:cNvSpPr>
-            <a:spLocks noGrp="1"/>
-          </p:cNvSpPr>
-          <p:nvPr>
-            <p:ph type="title"/>
-          </p:nvPr>
-        </p:nvSpPr>
-        <p:spPr/>
-        <p:txBody>
-          <a:bodyPr/>
-          <a:lstStyle/>
-          <a:p>
-            <a:endParaRPr lang="de-CH"/>
-          </a:p>
-        </p:txBody>
-      </p:sp>
-      <p:sp>
-        <p:nvSpPr>
-          <p:cNvPr id="3" name="Content Placeholder 2">
-            <a:extLst>
-              <a:ext uri="{FF2B5EF4-FFF2-40B4-BE49-F238E27FC236}">
-                <a16:creationId xmlns:a16="http://schemas.microsoft.com/office/drawing/2014/main" id="{9316D736-7BCF-489D-968B-AA1F16ECC076}"/>
-              </a:ext>
-            </a:extLst>
-          </p:cNvPr>
-          <p:cNvSpPr>
-            <a:spLocks noGrp="1"/>
-          </p:cNvSpPr>
-          <p:nvPr>
-            <p:ph idx="1"/>
-          </p:nvPr>
-        </p:nvSpPr>
-        <p:spPr/>
-        <p:txBody>
-          <a:bodyPr/>
-          <a:lstStyle/>
-          <a:p>
+          <p:cNvPr id="6" name="Rectangle: Rounded Corners 5">
+            <a:extLst>
+              <a:ext uri="{FF2B5EF4-FFF2-40B4-BE49-F238E27FC236}">
+                <a16:creationId xmlns:a16="http://schemas.microsoft.com/office/drawing/2014/main" id="{500671C5-BA4F-848A-C54C-3E61F70847B1}"/>
+              </a:ext>
+            </a:extLst>
+          </p:cNvPr>
+          <p:cNvSpPr/>
+          <p:nvPr/>
+        </p:nvSpPr>
+        <p:spPr>
+          <a:xfrm>
+            <a:off x="1885243" y="2839156"/>
+            <a:ext cx="2291645" cy="812800"/>
+          </a:xfrm>
+          <a:prstGeom prst="roundRect">
+            <a:avLst/>
+          </a:prstGeom>
+        </p:spPr>
+        <p:style>
+          <a:lnRef idx="2">
+            <a:schemeClr val="accent1">
+              <a:shade val="50000"/>
+            </a:schemeClr>
+          </a:lnRef>
+          <a:fillRef idx="1">
+            <a:schemeClr val="accent1"/>
+          </a:fillRef>
+          <a:effectRef idx="0">
+            <a:schemeClr val="accent1"/>
+          </a:effectRef>
+          <a:fontRef idx="minor">
+            <a:schemeClr val="lt1"/>
+          </a:fontRef>
+        </p:style>
+        <p:txBody>
+          <a:bodyPr rtlCol="0" anchor="ctr"/>
+          <a:lstStyle/>
+          <a:p>
+            <a:pPr algn="ctr"/>
+            <a:r>
+              <a:rPr lang="en-US" dirty="0"/>
+              <a:t>Device Connectivity Event</a:t>
+            </a:r>
             <a:endParaRPr lang="de-CH" dirty="0"/>
+          </a:p>
+        </p:txBody>
+      </p:sp>
+      <p:sp>
+        <p:nvSpPr>
+          <p:cNvPr id="7" name="Rectangle: Rounded Corners 6">
+            <a:extLst>
+              <a:ext uri="{FF2B5EF4-FFF2-40B4-BE49-F238E27FC236}">
+                <a16:creationId xmlns:a16="http://schemas.microsoft.com/office/drawing/2014/main" id="{9B833A13-1B7C-9747-4773-4FD4D6D50F0F}"/>
+              </a:ext>
+            </a:extLst>
+          </p:cNvPr>
+          <p:cNvSpPr/>
+          <p:nvPr/>
+        </p:nvSpPr>
+        <p:spPr>
+          <a:xfrm>
+            <a:off x="4639733" y="2810934"/>
+            <a:ext cx="1710267" cy="891822"/>
+          </a:xfrm>
+          <a:prstGeom prst="roundRect">
+            <a:avLst/>
+          </a:prstGeom>
+        </p:spPr>
+        <p:style>
+          <a:lnRef idx="2">
+            <a:schemeClr val="accent1">
+              <a:shade val="50000"/>
+            </a:schemeClr>
+          </a:lnRef>
+          <a:fillRef idx="1">
+            <a:schemeClr val="accent1"/>
+          </a:fillRef>
+          <a:effectRef idx="0">
+            <a:schemeClr val="accent1"/>
+          </a:effectRef>
+          <a:fontRef idx="minor">
+            <a:schemeClr val="lt1"/>
+          </a:fontRef>
+        </p:style>
+        <p:txBody>
+          <a:bodyPr rtlCol="0" anchor="ctr"/>
+          <a:lstStyle/>
+          <a:p>
+            <a:pPr algn="ctr"/>
+            <a:r>
+              <a:rPr lang="en-US" dirty="0" err="1"/>
+              <a:t>Rouler</a:t>
+            </a:r>
+            <a:endParaRPr lang="de-CH" dirty="0"/>
+          </a:p>
+        </p:txBody>
+      </p:sp>
+      <p:cxnSp>
+        <p:nvCxnSpPr>
+          <p:cNvPr id="9" name="Straight Arrow Connector 8">
+            <a:extLst>
+              <a:ext uri="{FF2B5EF4-FFF2-40B4-BE49-F238E27FC236}">
+                <a16:creationId xmlns:a16="http://schemas.microsoft.com/office/drawing/2014/main" id="{843AB103-F9FD-59BE-F93B-3C4D978BC7C2}"/>
+              </a:ext>
+            </a:extLst>
+          </p:cNvPr>
+          <p:cNvCxnSpPr>
+            <a:cxnSpLocks/>
+            <a:stCxn id="6" idx="3"/>
+            <a:endCxn id="7" idx="1"/>
+          </p:cNvCxnSpPr>
+          <p:nvPr/>
+        </p:nvCxnSpPr>
+        <p:spPr>
+          <a:xfrm>
+            <a:off x="4176888" y="3245556"/>
+            <a:ext cx="462845" cy="11289"/>
+          </a:xfrm>
+          <a:prstGeom prst="straightConnector1">
+            <a:avLst/>
+          </a:prstGeom>
+          <a:ln>
+            <a:tailEnd type="triangle"/>
+          </a:ln>
+        </p:spPr>
+        <p:style>
+          <a:lnRef idx="1">
+            <a:schemeClr val="accent1"/>
+          </a:lnRef>
+          <a:fillRef idx="0">
+            <a:schemeClr val="accent1"/>
+          </a:fillRef>
+          <a:effectRef idx="0">
+            <a:schemeClr val="accent1"/>
+          </a:effectRef>
+          <a:fontRef idx="minor">
+            <a:schemeClr val="tx1"/>
+          </a:fontRef>
+        </p:style>
+      </p:cxnSp>
+      <p:pic>
+        <p:nvPicPr>
+          <p:cNvPr id="18" name="Graphic 17" descr="Envelope with solid fill">
+            <a:extLst>
+              <a:ext uri="{FF2B5EF4-FFF2-40B4-BE49-F238E27FC236}">
+                <a16:creationId xmlns:a16="http://schemas.microsoft.com/office/drawing/2014/main" id="{B1A60160-9291-77BF-E8B9-C3EC4ED6BF3E}"/>
+              </a:ext>
+            </a:extLst>
+          </p:cNvPr>
+          <p:cNvPicPr>
+            <a:picLocks noChangeAspect="1"/>
+          </p:cNvPicPr>
+          <p:nvPr/>
+        </p:nvPicPr>
+        <p:blipFill>
+          <a:blip r:embed="rId2">
+            <a:extLst>
+              <a:ext uri="{28A0092B-C50C-407E-A947-70E740481C1C}">
+                <a14:useLocalDpi xmlns:a14="http://schemas.microsoft.com/office/drawing/2010/main" val="0"/>
+              </a:ext>
+              <a:ext uri="{96DAC541-7B7A-43D3-8B79-37D633B846F1}">
+                <asvg:svgBlip xmlns:asvg="http://schemas.microsoft.com/office/drawing/2016/SVG/main" r:embed="rId3"/>
+              </a:ext>
+            </a:extLst>
+          </a:blip>
+          <a:stretch>
+            <a:fillRect/>
+          </a:stretch>
+        </p:blipFill>
+        <p:spPr>
+          <a:xfrm>
+            <a:off x="8864600" y="2788356"/>
+            <a:ext cx="914400" cy="914400"/>
+          </a:xfrm>
+          <a:prstGeom prst="rect">
+            <a:avLst/>
+          </a:prstGeom>
+        </p:spPr>
+      </p:pic>
+      <p:sp>
+        <p:nvSpPr>
+          <p:cNvPr id="21" name="Rectangle: Rounded Corners 20">
+            <a:extLst>
+              <a:ext uri="{FF2B5EF4-FFF2-40B4-BE49-F238E27FC236}">
+                <a16:creationId xmlns:a16="http://schemas.microsoft.com/office/drawing/2014/main" id="{11A3D973-AADF-637E-7371-C23662828829}"/>
+              </a:ext>
+            </a:extLst>
+          </p:cNvPr>
+          <p:cNvSpPr/>
+          <p:nvPr/>
+        </p:nvSpPr>
+        <p:spPr>
+          <a:xfrm>
+            <a:off x="4639733" y="4374445"/>
+            <a:ext cx="1710267" cy="891822"/>
+          </a:xfrm>
+          <a:prstGeom prst="roundRect">
+            <a:avLst/>
+          </a:prstGeom>
+        </p:spPr>
+        <p:style>
+          <a:lnRef idx="2">
+            <a:schemeClr val="accent1">
+              <a:shade val="50000"/>
+            </a:schemeClr>
+          </a:lnRef>
+          <a:fillRef idx="1">
+            <a:schemeClr val="accent1"/>
+          </a:fillRef>
+          <a:effectRef idx="0">
+            <a:schemeClr val="accent1"/>
+          </a:effectRef>
+          <a:fontRef idx="minor">
+            <a:schemeClr val="lt1"/>
+          </a:fontRef>
+        </p:style>
+        <p:txBody>
+          <a:bodyPr rtlCol="0" anchor="ctr"/>
+          <a:lstStyle/>
+          <a:p>
+            <a:pPr algn="ctr"/>
+            <a:r>
+              <a:rPr lang="en-US" dirty="0" err="1"/>
+              <a:t>Roulenode</a:t>
+            </a:r>
+            <a:endParaRPr lang="en-US" dirty="0"/>
+          </a:p>
+          <a:p>
+            <a:pPr algn="ctr"/>
+            <a:r>
+              <a:rPr lang="en-US" dirty="0"/>
+              <a:t>(</a:t>
+            </a:r>
+            <a:r>
+              <a:rPr lang="en-US" dirty="0" err="1"/>
+              <a:t>inactivity_mailnode.json</a:t>
+            </a:r>
+            <a:r>
+              <a:rPr lang="en-US" dirty="0"/>
+              <a:t>)</a:t>
+            </a:r>
+            <a:endParaRPr lang="de-CH" dirty="0"/>
+          </a:p>
+        </p:txBody>
+      </p:sp>
+      <p:cxnSp>
+        <p:nvCxnSpPr>
+          <p:cNvPr id="24" name="Straight Arrow Connector 23">
+            <a:extLst>
+              <a:ext uri="{FF2B5EF4-FFF2-40B4-BE49-F238E27FC236}">
+                <a16:creationId xmlns:a16="http://schemas.microsoft.com/office/drawing/2014/main" id="{0AE06539-DF9A-E2FF-B808-A7DB07364681}"/>
+              </a:ext>
+            </a:extLst>
+          </p:cNvPr>
+          <p:cNvCxnSpPr>
+            <a:cxnSpLocks/>
+            <a:endCxn id="7" idx="2"/>
+          </p:cNvCxnSpPr>
+          <p:nvPr/>
+        </p:nvCxnSpPr>
+        <p:spPr>
+          <a:xfrm flipV="1">
+            <a:off x="5494866" y="3702756"/>
+            <a:ext cx="1" cy="671689"/>
+          </a:xfrm>
+          <a:prstGeom prst="straightConnector1">
+            <a:avLst/>
+          </a:prstGeom>
+          <a:ln>
+            <a:tailEnd type="triangle"/>
+          </a:ln>
+        </p:spPr>
+        <p:style>
+          <a:lnRef idx="1">
+            <a:schemeClr val="accent1"/>
+          </a:lnRef>
+          <a:fillRef idx="0">
+            <a:schemeClr val="accent1"/>
+          </a:fillRef>
+          <a:effectRef idx="0">
+            <a:schemeClr val="accent1"/>
+          </a:effectRef>
+          <a:fontRef idx="minor">
+            <a:schemeClr val="tx1"/>
+          </a:fontRef>
+        </p:style>
+      </p:cxnSp>
+      <p:cxnSp>
+        <p:nvCxnSpPr>
+          <p:cNvPr id="27" name="Straight Arrow Connector 26">
+            <a:extLst>
+              <a:ext uri="{FF2B5EF4-FFF2-40B4-BE49-F238E27FC236}">
+                <a16:creationId xmlns:a16="http://schemas.microsoft.com/office/drawing/2014/main" id="{490A2461-40B9-3B4E-A603-C17F776B1CAE}"/>
+              </a:ext>
+            </a:extLst>
+          </p:cNvPr>
+          <p:cNvCxnSpPr>
+            <a:cxnSpLocks/>
+          </p:cNvCxnSpPr>
+          <p:nvPr/>
+        </p:nvCxnSpPr>
+        <p:spPr>
+          <a:xfrm>
+            <a:off x="6460065" y="3265312"/>
+            <a:ext cx="2288824" cy="0"/>
+          </a:xfrm>
+          <a:prstGeom prst="straightConnector1">
+            <a:avLst/>
+          </a:prstGeom>
+          <a:ln>
+            <a:tailEnd type="triangle"/>
+          </a:ln>
+        </p:spPr>
+        <p:style>
+          <a:lnRef idx="1">
+            <a:schemeClr val="accent1"/>
+          </a:lnRef>
+          <a:fillRef idx="0">
+            <a:schemeClr val="accent1"/>
+          </a:fillRef>
+          <a:effectRef idx="0">
+            <a:schemeClr val="accent1"/>
+          </a:effectRef>
+          <a:fontRef idx="minor">
+            <a:schemeClr val="tx1"/>
+          </a:fontRef>
+        </p:style>
+      </p:cxnSp>
+      <p:pic>
+        <p:nvPicPr>
+          <p:cNvPr id="30" name="Graphic 29" descr="Paper with solid fill">
+            <a:extLst>
+              <a:ext uri="{FF2B5EF4-FFF2-40B4-BE49-F238E27FC236}">
+                <a16:creationId xmlns:a16="http://schemas.microsoft.com/office/drawing/2014/main" id="{FF5EBEF0-00DF-A36B-8FFE-9B60826245C9}"/>
+              </a:ext>
+            </a:extLst>
+          </p:cNvPr>
+          <p:cNvPicPr>
+            <a:picLocks noChangeAspect="1"/>
+          </p:cNvPicPr>
+          <p:nvPr/>
+        </p:nvPicPr>
+        <p:blipFill>
+          <a:blip r:embed="rId4">
+            <a:extLst>
+              <a:ext uri="{28A0092B-C50C-407E-A947-70E740481C1C}">
+                <a14:useLocalDpi xmlns:a14="http://schemas.microsoft.com/office/drawing/2010/main" val="0"/>
+              </a:ext>
+              <a:ext uri="{96DAC541-7B7A-43D3-8B79-37D633B846F1}">
+                <asvg:svgBlip xmlns:asvg="http://schemas.microsoft.com/office/drawing/2016/SVG/main" r:embed="rId5"/>
+              </a:ext>
+            </a:extLst>
+          </a:blip>
+          <a:stretch>
+            <a:fillRect/>
+          </a:stretch>
+        </p:blipFill>
+        <p:spPr>
+          <a:xfrm>
+            <a:off x="5568243" y="961156"/>
+            <a:ext cx="891822" cy="891822"/>
+          </a:xfrm>
+          <a:prstGeom prst="rect">
+            <a:avLst/>
+          </a:prstGeom>
+        </p:spPr>
+      </p:pic>
+      <p:sp>
+        <p:nvSpPr>
+          <p:cNvPr id="31" name="TextBox 30">
+            <a:extLst>
+              <a:ext uri="{FF2B5EF4-FFF2-40B4-BE49-F238E27FC236}">
+                <a16:creationId xmlns:a16="http://schemas.microsoft.com/office/drawing/2014/main" id="{50E2CFD3-652B-9265-615D-43798E51D66F}"/>
+              </a:ext>
+            </a:extLst>
+          </p:cNvPr>
+          <p:cNvSpPr txBox="1"/>
+          <p:nvPr/>
+        </p:nvSpPr>
+        <p:spPr>
+          <a:xfrm>
+            <a:off x="6540497" y="1222401"/>
+            <a:ext cx="2127959" cy="369332"/>
+          </a:xfrm>
+          <a:prstGeom prst="rect">
+            <a:avLst/>
+          </a:prstGeom>
+          <a:noFill/>
+        </p:spPr>
+        <p:txBody>
+          <a:bodyPr wrap="square" rtlCol="0">
+            <a:spAutoFit/>
+          </a:bodyPr>
+          <a:lstStyle/>
+          <a:p>
+            <a:r>
+              <a:rPr lang="en-US" dirty="0" err="1"/>
+              <a:t>Thingsboard.yml</a:t>
+            </a:r>
+            <a:endParaRPr lang="de-CH" dirty="0"/>
+          </a:p>
+        </p:txBody>
+      </p:sp>
+      <p:pic>
+        <p:nvPicPr>
+          <p:cNvPr id="32" name="Graphic 31" descr="Paper with solid fill">
+            <a:extLst>
+              <a:ext uri="{FF2B5EF4-FFF2-40B4-BE49-F238E27FC236}">
+                <a16:creationId xmlns:a16="http://schemas.microsoft.com/office/drawing/2014/main" id="{3D40899A-D494-B79D-AB67-E3D6121939EF}"/>
+              </a:ext>
+            </a:extLst>
+          </p:cNvPr>
+          <p:cNvPicPr>
+            <a:picLocks noChangeAspect="1"/>
+          </p:cNvPicPr>
+          <p:nvPr/>
+        </p:nvPicPr>
+        <p:blipFill>
+          <a:blip r:embed="rId4">
+            <a:extLst>
+              <a:ext uri="{28A0092B-C50C-407E-A947-70E740481C1C}">
+                <a14:useLocalDpi xmlns:a14="http://schemas.microsoft.com/office/drawing/2010/main" val="0"/>
+              </a:ext>
+              <a:ext uri="{96DAC541-7B7A-43D3-8B79-37D633B846F1}">
+                <asvg:svgBlip xmlns:asvg="http://schemas.microsoft.com/office/drawing/2016/SVG/main" r:embed="rId5"/>
+              </a:ext>
+            </a:extLst>
+          </a:blip>
+          <a:stretch>
+            <a:fillRect/>
+          </a:stretch>
+        </p:blipFill>
+        <p:spPr>
+          <a:xfrm>
+            <a:off x="5416732" y="5685210"/>
+            <a:ext cx="679268" cy="679268"/>
+          </a:xfrm>
+          <a:prstGeom prst="rect">
+            <a:avLst/>
+          </a:prstGeom>
+        </p:spPr>
+      </p:pic>
+      <p:sp>
+        <p:nvSpPr>
+          <p:cNvPr id="33" name="TextBox 32">
+            <a:extLst>
+              <a:ext uri="{FF2B5EF4-FFF2-40B4-BE49-F238E27FC236}">
+                <a16:creationId xmlns:a16="http://schemas.microsoft.com/office/drawing/2014/main" id="{A0D312D3-E4D4-80AD-54CB-69724B3129B0}"/>
+              </a:ext>
+            </a:extLst>
+          </p:cNvPr>
+          <p:cNvSpPr txBox="1"/>
+          <p:nvPr/>
+        </p:nvSpPr>
+        <p:spPr>
+          <a:xfrm>
+            <a:off x="4950174" y="6358090"/>
+            <a:ext cx="2127959" cy="369332"/>
+          </a:xfrm>
+          <a:prstGeom prst="rect">
+            <a:avLst/>
+          </a:prstGeom>
+          <a:noFill/>
+        </p:spPr>
+        <p:txBody>
+          <a:bodyPr wrap="square" rtlCol="0">
+            <a:spAutoFit/>
+          </a:bodyPr>
+          <a:lstStyle/>
+          <a:p>
+            <a:r>
+              <a:rPr lang="en-US" dirty="0"/>
+              <a:t>Mailing_list.ini</a:t>
+            </a:r>
           </a:p>
         </p:txBody>
       </p:sp>
